--- a/Development/Final presentation/Poster.pptx
+++ b/Development/Final presentation/Poster.pptx
@@ -119,6 +119,7 @@
 <p1510:revInfo xmlns:a="http://schemas.openxmlformats.org/drawingml/2006/main" xmlns:r="http://schemas.openxmlformats.org/officeDocument/2006/relationships" xmlns:p1510="http://schemas.microsoft.com/office/powerpoint/2015/10/main">
   <p1510:revLst>
     <p1510:client id="{060F2E33-2488-4133-808D-75161F8BA843}" v="35" dt="2022-03-21T09:24:57.406"/>
+    <p1510:client id="{D2E41BC5-3F57-4090-8564-9C1B9C22A57A}" v="115" dt="2022-03-21T15:03:27.753"/>
   </p1510:revLst>
 </p1510:revInfo>
 </file>
@@ -237,6 +238,110 @@
       </pc:sldChg>
     </pc:docChg>
   </pc:docChgLst>
+  <pc:docChgLst>
+    <pc:chgData name="leo boek" userId="34e4f10958d99e83" providerId="LiveId" clId="{D2E41BC5-3F57-4090-8564-9C1B9C22A57A}"/>
+    <pc:docChg chg="custSel modSld">
+      <pc:chgData name="leo boek" userId="34e4f10958d99e83" providerId="LiveId" clId="{D2E41BC5-3F57-4090-8564-9C1B9C22A57A}" dt="2022-03-21T15:03:27.753" v="131" actId="208"/>
+      <pc:docMkLst>
+        <pc:docMk/>
+      </pc:docMkLst>
+      <pc:sldChg chg="addSp delSp modSp mod">
+        <pc:chgData name="leo boek" userId="34e4f10958d99e83" providerId="LiveId" clId="{D2E41BC5-3F57-4090-8564-9C1B9C22A57A}" dt="2022-03-21T15:03:27.753" v="131" actId="208"/>
+        <pc:sldMkLst>
+          <pc:docMk/>
+          <pc:sldMk cId="2723055490" sldId="256"/>
+        </pc:sldMkLst>
+        <pc:grpChg chg="del">
+          <ac:chgData name="leo boek" userId="34e4f10958d99e83" providerId="LiveId" clId="{D2E41BC5-3F57-4090-8564-9C1B9C22A57A}" dt="2022-03-21T14:42:59.822" v="7" actId="165"/>
+          <ac:grpSpMkLst>
+            <pc:docMk/>
+            <pc:sldMk cId="2723055490" sldId="256"/>
+            <ac:grpSpMk id="6" creationId="{F9618E2F-A728-4FE9-BFF0-F786F3601228}"/>
+          </ac:grpSpMkLst>
+        </pc:grpChg>
+        <pc:grpChg chg="add mod">
+          <ac:chgData name="leo boek" userId="34e4f10958d99e83" providerId="LiveId" clId="{D2E41BC5-3F57-4090-8564-9C1B9C22A57A}" dt="2022-03-21T15:01:08.872" v="126" actId="164"/>
+          <ac:grpSpMkLst>
+            <pc:docMk/>
+            <pc:sldMk cId="2723055490" sldId="256"/>
+            <ac:grpSpMk id="28" creationId="{02F36DCF-506E-49FD-83E9-E143C2506BE6}"/>
+          </ac:grpSpMkLst>
+        </pc:grpChg>
+        <pc:graphicFrameChg chg="mod">
+          <ac:chgData name="leo boek" userId="34e4f10958d99e83" providerId="LiveId" clId="{D2E41BC5-3F57-4090-8564-9C1B9C22A57A}" dt="2022-03-21T15:03:27.753" v="131" actId="208"/>
+          <ac:graphicFrameMkLst>
+            <pc:docMk/>
+            <pc:sldMk cId="2723055490" sldId="256"/>
+            <ac:graphicFrameMk id="31" creationId="{ACFB5595-D53F-4188-8A82-A01083F255B7}"/>
+          </ac:graphicFrameMkLst>
+        </pc:graphicFrameChg>
+        <pc:picChg chg="add mod ord">
+          <ac:chgData name="leo boek" userId="34e4f10958d99e83" providerId="LiveId" clId="{D2E41BC5-3F57-4090-8564-9C1B9C22A57A}" dt="2022-03-21T15:01:08.872" v="126" actId="164"/>
+          <ac:picMkLst>
+            <pc:docMk/>
+            <pc:sldMk cId="2723055490" sldId="256"/>
+            <ac:picMk id="3" creationId="{E46535EC-2DAF-478F-A8ED-C8DF51436C2C}"/>
+          </ac:picMkLst>
+        </pc:picChg>
+        <pc:picChg chg="add del">
+          <ac:chgData name="leo boek" userId="34e4f10958d99e83" providerId="LiveId" clId="{D2E41BC5-3F57-4090-8564-9C1B9C22A57A}" dt="2022-03-21T14:53:17.063" v="50" actId="478"/>
+          <ac:picMkLst>
+            <pc:docMk/>
+            <pc:sldMk cId="2723055490" sldId="256"/>
+            <ac:picMk id="24" creationId="{ED4CD04E-8E70-4732-BEEB-2DC36D14EE27}"/>
+          </ac:picMkLst>
+        </pc:picChg>
+        <pc:picChg chg="add del mod">
+          <ac:chgData name="leo boek" userId="34e4f10958d99e83" providerId="LiveId" clId="{D2E41BC5-3F57-4090-8564-9C1B9C22A57A}" dt="2022-03-21T14:55:16.086" v="75" actId="478"/>
+          <ac:picMkLst>
+            <pc:docMk/>
+            <pc:sldMk cId="2723055490" sldId="256"/>
+            <ac:picMk id="25" creationId="{6CCAED2A-52B4-434E-B44C-AEA8749C4067}"/>
+          </ac:picMkLst>
+        </pc:picChg>
+        <pc:picChg chg="add del mod">
+          <ac:chgData name="leo boek" userId="34e4f10958d99e83" providerId="LiveId" clId="{D2E41BC5-3F57-4090-8564-9C1B9C22A57A}" dt="2022-03-21T15:00:38.410" v="107" actId="478"/>
+          <ac:picMkLst>
+            <pc:docMk/>
+            <pc:sldMk cId="2723055490" sldId="256"/>
+            <ac:picMk id="26" creationId="{BB6853D0-F29A-40A7-8C8D-0D65A6365E4B}"/>
+          </ac:picMkLst>
+        </pc:picChg>
+        <pc:picChg chg="add mod">
+          <ac:chgData name="leo boek" userId="34e4f10958d99e83" providerId="LiveId" clId="{D2E41BC5-3F57-4090-8564-9C1B9C22A57A}" dt="2022-03-21T15:01:08.872" v="126" actId="164"/>
+          <ac:picMkLst>
+            <pc:docMk/>
+            <pc:sldMk cId="2723055490" sldId="256"/>
+            <ac:picMk id="27" creationId="{71E2166D-AF7E-4C26-9F1E-C51A52B90917}"/>
+          </ac:picMkLst>
+        </pc:picChg>
+        <pc:picChg chg="add del mod">
+          <ac:chgData name="leo boek" userId="34e4f10958d99e83" providerId="LiveId" clId="{D2E41BC5-3F57-4090-8564-9C1B9C22A57A}" dt="2022-03-21T14:58:56.130" v="82" actId="478"/>
+          <ac:picMkLst>
+            <pc:docMk/>
+            <pc:sldMk cId="2723055490" sldId="256"/>
+            <ac:picMk id="1026" creationId="{0E7EF2EA-8AB9-4D82-8924-A56F0F07E25F}"/>
+          </ac:picMkLst>
+        </pc:picChg>
+        <pc:picChg chg="del mod topLvl">
+          <ac:chgData name="leo boek" userId="34e4f10958d99e83" providerId="LiveId" clId="{D2E41BC5-3F57-4090-8564-9C1B9C22A57A}" dt="2022-03-21T14:53:11.456" v="48" actId="478"/>
+          <ac:picMkLst>
+            <pc:docMk/>
+            <pc:sldMk cId="2723055490" sldId="256"/>
+            <ac:picMk id="1030" creationId="{43AAFE68-69AD-44E7-9440-CF9163A2DF72}"/>
+          </ac:picMkLst>
+        </pc:picChg>
+        <pc:picChg chg="del mod topLvl">
+          <ac:chgData name="leo boek" userId="34e4f10958d99e83" providerId="LiveId" clId="{D2E41BC5-3F57-4090-8564-9C1B9C22A57A}" dt="2022-03-21T14:53:09.524" v="47" actId="478"/>
+          <ac:picMkLst>
+            <pc:docMk/>
+            <pc:sldMk cId="2723055490" sldId="256"/>
+            <ac:picMk id="1031" creationId="{3C4C7175-AFDE-4AD7-AC93-B5A41EA20E94}"/>
+          </ac:picMkLst>
+        </pc:picChg>
+      </pc:sldChg>
+    </pc:docChg>
+  </pc:docChgLst>
 </pc:chgInfo>
 </file>
 
@@ -271,8 +376,8 @@
               </a:defRPr>
             </a:pPr>
             <a:r>
-              <a:rPr lang="en-GB"/>
-              <a:t>Would You Play</a:t>
+              <a:rPr lang="en-GB" dirty="0"/>
+              <a:t>Would You Use</a:t>
             </a:r>
           </a:p>
           <a:p>
@@ -280,7 +385,7 @@
               <a:defRPr/>
             </a:pPr>
             <a:r>
-              <a:rPr lang="en-GB"/>
+              <a:rPr lang="en-GB" dirty="0"/>
               <a:t>Academic Adventure?</a:t>
             </a:r>
           </a:p>
@@ -331,38 +436,24 @@
               </c:strCache>
             </c:strRef>
           </c:tx>
+          <c:spPr>
+            <a:ln>
+              <a:solidFill>
+                <a:schemeClr val="tx1"/>
+              </a:solidFill>
+            </a:ln>
+          </c:spPr>
           <c:dPt>
             <c:idx val="0"/>
             <c:bubble3D val="0"/>
             <c:spPr>
-              <a:gradFill rotWithShape="1">
-                <a:gsLst>
-                  <a:gs pos="0">
-                    <a:schemeClr val="accent1">
-                      <a:satMod val="103000"/>
-                      <a:lumMod val="102000"/>
-                      <a:tint val="94000"/>
-                    </a:schemeClr>
-                  </a:gs>
-                  <a:gs pos="50000">
-                    <a:schemeClr val="accent1">
-                      <a:satMod val="110000"/>
-                      <a:lumMod val="100000"/>
-                      <a:shade val="100000"/>
-                    </a:schemeClr>
-                  </a:gs>
-                  <a:gs pos="100000">
-                    <a:schemeClr val="accent1">
-                      <a:lumMod val="99000"/>
-                      <a:satMod val="120000"/>
-                      <a:shade val="78000"/>
-                    </a:schemeClr>
-                  </a:gs>
-                </a:gsLst>
-                <a:lin ang="5400000" scaled="0"/>
-              </a:gradFill>
+              <a:solidFill>
+                <a:schemeClr val="accent2"/>
+              </a:solidFill>
               <a:ln>
-                <a:noFill/>
+                <a:solidFill>
+                  <a:schemeClr val="tx1"/>
+                </a:solidFill>
               </a:ln>
               <a:effectLst>
                 <a:outerShdw blurRad="57150" dist="19050" dir="5400000" algn="ctr" rotWithShape="0">
@@ -391,34 +482,13 @@
             <c:idx val="1"/>
             <c:bubble3D val="0"/>
             <c:spPr>
-              <a:gradFill rotWithShape="1">
-                <a:gsLst>
-                  <a:gs pos="0">
-                    <a:schemeClr val="accent2">
-                      <a:satMod val="103000"/>
-                      <a:lumMod val="102000"/>
-                      <a:tint val="94000"/>
-                    </a:schemeClr>
-                  </a:gs>
-                  <a:gs pos="50000">
-                    <a:schemeClr val="accent2">
-                      <a:satMod val="110000"/>
-                      <a:lumMod val="100000"/>
-                      <a:shade val="100000"/>
-                    </a:schemeClr>
-                  </a:gs>
-                  <a:gs pos="100000">
-                    <a:schemeClr val="accent2">
-                      <a:lumMod val="99000"/>
-                      <a:satMod val="120000"/>
-                      <a:shade val="78000"/>
-                    </a:schemeClr>
-                  </a:gs>
-                </a:gsLst>
-                <a:lin ang="5400000" scaled="0"/>
-              </a:gradFill>
+              <a:solidFill>
+                <a:schemeClr val="bg1"/>
+              </a:solidFill>
               <a:ln>
-                <a:noFill/>
+                <a:solidFill>
+                  <a:schemeClr val="tx1"/>
+                </a:solidFill>
               </a:ln>
               <a:effectLst>
                 <a:outerShdw blurRad="57150" dist="19050" dir="5400000" algn="ctr" rotWithShape="0">
@@ -447,34 +517,17 @@
             <c:idx val="2"/>
             <c:bubble3D val="0"/>
             <c:spPr>
-              <a:gradFill rotWithShape="1">
-                <a:gsLst>
-                  <a:gs pos="0">
-                    <a:schemeClr val="accent3">
-                      <a:satMod val="103000"/>
-                      <a:lumMod val="102000"/>
-                      <a:tint val="94000"/>
-                    </a:schemeClr>
-                  </a:gs>
-                  <a:gs pos="50000">
-                    <a:schemeClr val="accent3">
-                      <a:satMod val="110000"/>
-                      <a:lumMod val="100000"/>
-                      <a:shade val="100000"/>
-                    </a:schemeClr>
-                  </a:gs>
-                  <a:gs pos="100000">
-                    <a:schemeClr val="accent3">
-                      <a:lumMod val="99000"/>
-                      <a:satMod val="120000"/>
-                      <a:shade val="78000"/>
-                    </a:schemeClr>
-                  </a:gs>
-                </a:gsLst>
-                <a:lin ang="5400000" scaled="0"/>
-              </a:gradFill>
+              <a:solidFill>
+                <a:schemeClr val="accent3">
+                  <a:satMod val="103000"/>
+                  <a:lumMod val="102000"/>
+                  <a:tint val="94000"/>
+                </a:schemeClr>
+              </a:solidFill>
               <a:ln>
-                <a:noFill/>
+                <a:solidFill>
+                  <a:schemeClr val="tx1"/>
+                </a:solidFill>
               </a:ln>
               <a:effectLst>
                 <a:outerShdw blurRad="57150" dist="19050" dir="5400000" algn="ctr" rotWithShape="0">
@@ -7838,169 +7891,6 @@
       </p:pic>
       <p:grpSp>
         <p:nvGrpSpPr>
-          <p:cNvPr id="6" name="Group 5">
-            <a:extLst>
-              <a:ext uri="{FF2B5EF4-FFF2-40B4-BE49-F238E27FC236}">
-                <a16:creationId xmlns:a16="http://schemas.microsoft.com/office/drawing/2014/main" id="{F9618E2F-A728-4FE9-BFF0-F786F3601228}"/>
-              </a:ext>
-            </a:extLst>
-          </p:cNvPr>
-          <p:cNvGrpSpPr>
-            <a:grpSpLocks/>
-          </p:cNvGrpSpPr>
-          <p:nvPr/>
-        </p:nvGrpSpPr>
-        <p:grpSpPr bwMode="auto">
-          <a:xfrm>
-            <a:off x="4257975" y="1170317"/>
-            <a:ext cx="3676050" cy="4708818"/>
-            <a:chOff x="112062409" y="108188783"/>
-            <a:chExt cx="3008351" cy="4164088"/>
-          </a:xfrm>
-        </p:grpSpPr>
-        <p:pic>
-          <p:nvPicPr>
-            <p:cNvPr id="1030" name="Picture 6">
-              <a:extLst>
-                <a:ext uri="{FF2B5EF4-FFF2-40B4-BE49-F238E27FC236}">
-                  <a16:creationId xmlns:a16="http://schemas.microsoft.com/office/drawing/2014/main" id="{43AAFE68-69AD-44E7-9440-CF9163A2DF72}"/>
-                </a:ext>
-              </a:extLst>
-            </p:cNvPr>
-            <p:cNvPicPr>
-              <a:picLocks noChangeAspect="1" noChangeArrowheads="1"/>
-            </p:cNvPicPr>
-            <p:nvPr/>
-          </p:nvPicPr>
-          <p:blipFill>
-            <a:blip r:embed="rId4">
-              <a:extLst>
-                <a:ext uri="{28A0092B-C50C-407E-A947-70E740481C1C}">
-                  <a14:useLocalDpi xmlns:a14="http://schemas.microsoft.com/office/drawing/2010/main" val="0"/>
-                </a:ext>
-              </a:extLst>
-            </a:blip>
-            <a:srcRect/>
-            <a:stretch>
-              <a:fillRect/>
-            </a:stretch>
-          </p:blipFill>
-          <p:spPr bwMode="auto">
-            <a:xfrm>
-              <a:off x="112600752" y="108260420"/>
-              <a:ext cx="1933958" cy="3793710"/>
-            </a:xfrm>
-            <a:prstGeom prst="rect">
-              <a:avLst/>
-            </a:prstGeom>
-            <a:noFill/>
-            <a:ln>
-              <a:noFill/>
-            </a:ln>
-            <a:effectLst/>
-            <a:extLst>
-              <a:ext uri="{909E8E84-426E-40DD-AFC4-6F175D3DCCD1}">
-                <a14:hiddenFill xmlns:a14="http://schemas.microsoft.com/office/drawing/2010/main">
-                  <a:solidFill>
-                    <a:srgbClr val="5B9BD5"/>
-                  </a:solidFill>
-                </a14:hiddenFill>
-              </a:ext>
-              <a:ext uri="{91240B29-F687-4F45-9708-019B960494DF}">
-                <a14:hiddenLine xmlns:a14="http://schemas.microsoft.com/office/drawing/2010/main" w="25400" algn="ctr">
-                  <a:solidFill>
-                    <a:srgbClr val="000000"/>
-                  </a:solidFill>
-                  <a:miter lim="800000"/>
-                  <a:headEnd/>
-                  <a:tailEnd/>
-                </a14:hiddenLine>
-              </a:ext>
-              <a:ext uri="{AF507438-7753-43E0-B8FC-AC1667EBCBE1}">
-                <a14:hiddenEffects xmlns:a14="http://schemas.microsoft.com/office/drawing/2010/main">
-                  <a:effectLst>
-                    <a:outerShdw dist="35921" dir="2700000" algn="ctr" rotWithShape="0">
-                      <a:srgbClr val="000000"/>
-                    </a:outerShdw>
-                  </a:effectLst>
-                </a14:hiddenEffects>
-              </a:ext>
-            </a:extLst>
-          </p:spPr>
-        </p:pic>
-        <p:pic>
-          <p:nvPicPr>
-            <p:cNvPr id="1031" name="Picture 7">
-              <a:extLst>
-                <a:ext uri="{FF2B5EF4-FFF2-40B4-BE49-F238E27FC236}">
-                  <a16:creationId xmlns:a16="http://schemas.microsoft.com/office/drawing/2014/main" id="{3C4C7175-AFDE-4AD7-AC93-B5A41EA20E94}"/>
-                </a:ext>
-              </a:extLst>
-            </p:cNvPr>
-            <p:cNvPicPr>
-              <a:picLocks noChangeAspect="1" noChangeArrowheads="1"/>
-            </p:cNvPicPr>
-            <p:nvPr/>
-          </p:nvPicPr>
-          <p:blipFill>
-            <a:blip r:embed="rId5">
-              <a:extLst>
-                <a:ext uri="{28A0092B-C50C-407E-A947-70E740481C1C}">
-                  <a14:useLocalDpi xmlns:a14="http://schemas.microsoft.com/office/drawing/2010/main" val="0"/>
-                </a:ext>
-              </a:extLst>
-            </a:blip>
-            <a:srcRect/>
-            <a:stretch>
-              <a:fillRect/>
-            </a:stretch>
-          </p:blipFill>
-          <p:spPr bwMode="auto">
-            <a:xfrm>
-              <a:off x="112062409" y="108188783"/>
-              <a:ext cx="3008351" cy="4164088"/>
-            </a:xfrm>
-            <a:prstGeom prst="rect">
-              <a:avLst/>
-            </a:prstGeom>
-            <a:noFill/>
-            <a:ln>
-              <a:noFill/>
-            </a:ln>
-            <a:effectLst/>
-            <a:extLst>
-              <a:ext uri="{909E8E84-426E-40DD-AFC4-6F175D3DCCD1}">
-                <a14:hiddenFill xmlns:a14="http://schemas.microsoft.com/office/drawing/2010/main">
-                  <a:solidFill>
-                    <a:srgbClr val="5B9BD5"/>
-                  </a:solidFill>
-                </a14:hiddenFill>
-              </a:ext>
-              <a:ext uri="{91240B29-F687-4F45-9708-019B960494DF}">
-                <a14:hiddenLine xmlns:a14="http://schemas.microsoft.com/office/drawing/2010/main" w="25400" algn="ctr">
-                  <a:solidFill>
-                    <a:srgbClr val="000000"/>
-                  </a:solidFill>
-                  <a:miter lim="800000"/>
-                  <a:headEnd/>
-                  <a:tailEnd/>
-                </a14:hiddenLine>
-              </a:ext>
-              <a:ext uri="{AF507438-7753-43E0-B8FC-AC1667EBCBE1}">
-                <a14:hiddenEffects xmlns:a14="http://schemas.microsoft.com/office/drawing/2010/main">
-                  <a:effectLst>
-                    <a:outerShdw dist="35921" dir="2700000" algn="ctr" rotWithShape="0">
-                      <a:srgbClr val="000000"/>
-                    </a:outerShdw>
-                  </a:effectLst>
-                </a14:hiddenEffects>
-              </a:ext>
-            </a:extLst>
-          </p:spPr>
-        </p:pic>
-      </p:grpSp>
-      <p:grpSp>
-        <p:nvGrpSpPr>
           <p:cNvPr id="7" name="Group 8">
             <a:extLst>
               <a:ext uri="{FF2B5EF4-FFF2-40B4-BE49-F238E27FC236}">
@@ -8223,7 +8113,7 @@
             <p:nvPr/>
           </p:nvPicPr>
           <p:blipFill>
-            <a:blip r:embed="rId6">
+            <a:blip r:embed="rId4">
               <a:extLst>
                 <a:ext uri="{28A0092B-C50C-407E-A947-70E740481C1C}">
                   <a14:useLocalDpi xmlns:a14="http://schemas.microsoft.com/office/drawing/2010/main" val="0"/>
@@ -8503,7 +8393,7 @@
             <p:nvPr/>
           </p:nvPicPr>
           <p:blipFill>
-            <a:blip r:embed="rId7">
+            <a:blip r:embed="rId5">
               <a:extLst>
                 <a:ext uri="{28A0092B-C50C-407E-A947-70E740481C1C}">
                   <a14:useLocalDpi xmlns:a14="http://schemas.microsoft.com/office/drawing/2010/main" val="0"/>
@@ -8809,7 +8699,7 @@
             <p:nvPr/>
           </p:nvPicPr>
           <p:blipFill>
-            <a:blip r:embed="rId8">
+            <a:blip r:embed="rId6">
               <a:extLst>
                 <a:ext uri="{28A0092B-C50C-407E-A947-70E740481C1C}">
                   <a14:useLocalDpi xmlns:a14="http://schemas.microsoft.com/office/drawing/2010/main" val="0"/>
@@ -8862,6 +8752,137 @@
                 </a14:hiddenEffects>
               </a:ext>
             </a:extLst>
+          </p:spPr>
+        </p:pic>
+      </p:grpSp>
+      <p:grpSp>
+        <p:nvGrpSpPr>
+          <p:cNvPr id="28" name="Group 27">
+            <a:extLst>
+              <a:ext uri="{FF2B5EF4-FFF2-40B4-BE49-F238E27FC236}">
+                <a16:creationId xmlns:a16="http://schemas.microsoft.com/office/drawing/2014/main" id="{02F36DCF-506E-49FD-83E9-E143C2506BE6}"/>
+              </a:ext>
+            </a:extLst>
+          </p:cNvPr>
+          <p:cNvGrpSpPr/>
+          <p:nvPr/>
+        </p:nvGrpSpPr>
+        <p:grpSpPr>
+          <a:xfrm>
+            <a:off x="3671888" y="163290"/>
+            <a:ext cx="4848225" cy="6858000"/>
+            <a:chOff x="3671888" y="163290"/>
+            <a:chExt cx="4848225" cy="6858000"/>
+          </a:xfrm>
+        </p:grpSpPr>
+        <p:pic>
+          <p:nvPicPr>
+            <p:cNvPr id="27" name="Picture 6">
+              <a:extLst>
+                <a:ext uri="{FF2B5EF4-FFF2-40B4-BE49-F238E27FC236}">
+                  <a16:creationId xmlns:a16="http://schemas.microsoft.com/office/drawing/2014/main" id="{71E2166D-AF7E-4C26-9F1E-C51A52B90917}"/>
+                </a:ext>
+              </a:extLst>
+            </p:cNvPr>
+            <p:cNvPicPr>
+              <a:picLocks noChangeAspect="1" noChangeArrowheads="1"/>
+            </p:cNvPicPr>
+            <p:nvPr/>
+          </p:nvPicPr>
+          <p:blipFill>
+            <a:blip r:embed="rId7">
+              <a:extLst>
+                <a:ext uri="{28A0092B-C50C-407E-A947-70E740481C1C}">
+                  <a14:useLocalDpi xmlns:a14="http://schemas.microsoft.com/office/drawing/2010/main" val="0"/>
+                </a:ext>
+              </a:extLst>
+            </a:blip>
+            <a:srcRect/>
+            <a:stretch>
+              <a:fillRect/>
+            </a:stretch>
+          </p:blipFill>
+          <p:spPr bwMode="auto">
+            <a:xfrm>
+              <a:off x="3671888" y="163290"/>
+              <a:ext cx="4848225" cy="6858000"/>
+            </a:xfrm>
+            <a:prstGeom prst="rect">
+              <a:avLst/>
+            </a:prstGeom>
+            <a:noFill/>
+            <a:extLst>
+              <a:ext uri="{909E8E84-426E-40DD-AFC4-6F175D3DCCD1}">
+                <a14:hiddenFill xmlns:a14="http://schemas.microsoft.com/office/drawing/2010/main">
+                  <a:solidFill>
+                    <a:srgbClr val="FFFFFF"/>
+                  </a:solidFill>
+                </a14:hiddenFill>
+              </a:ext>
+            </a:extLst>
+          </p:spPr>
+        </p:pic>
+        <p:pic>
+          <p:nvPicPr>
+            <p:cNvPr id="3" name="Picture 2">
+              <a:extLst>
+                <a:ext uri="{FF2B5EF4-FFF2-40B4-BE49-F238E27FC236}">
+                  <a16:creationId xmlns:a16="http://schemas.microsoft.com/office/drawing/2014/main" id="{E46535EC-2DAF-478F-A8ED-C8DF51436C2C}"/>
+                </a:ext>
+              </a:extLst>
+            </p:cNvPr>
+            <p:cNvPicPr>
+              <a:picLocks noChangeAspect="1"/>
+            </p:cNvPicPr>
+            <p:nvPr/>
+          </p:nvPicPr>
+          <p:blipFill>
+            <a:blip r:embed="rId8">
+              <a:extLst>
+                <a:ext uri="{BEBA8EAE-BF5A-486C-A8C5-ECC9F3942E4B}">
+                  <a14:imgProps xmlns:a14="http://schemas.microsoft.com/office/drawing/2010/main">
+                    <a14:imgLayer r:embed="rId9">
+                      <a14:imgEffect>
+                        <a14:backgroundRemoval t="5495" b="94505" l="1124" r="92135">
+                          <a14:foregroundMark x1="49438" y1="91209" x2="49438" y2="91209"/>
+                          <a14:foregroundMark x1="10112" y1="52747" x2="10112" y2="52747"/>
+                          <a14:foregroundMark x1="55056" y1="41758" x2="55056" y2="41758"/>
+                          <a14:foregroundMark x1="42697" y1="41758" x2="59551" y2="49451"/>
+                          <a14:foregroundMark x1="75281" y1="17582" x2="75281" y2="17582"/>
+                          <a14:foregroundMark x1="75281" y1="17582" x2="15730" y2="78022"/>
+                          <a14:foregroundMark x1="15730" y1="81319" x2="80899" y2="24176"/>
+                          <a14:foregroundMark x1="22472" y1="13187" x2="22472" y2="13187"/>
+                          <a14:foregroundMark x1="22472" y1="16484" x2="13483" y2="21978"/>
+                          <a14:foregroundMark x1="15730" y1="26374" x2="6742" y2="46154"/>
+                          <a14:foregroundMark x1="12360" y1="23077" x2="1124" y2="53846"/>
+                          <a14:foregroundMark x1="2247" y1="60440" x2="28090" y2="94505"/>
+                          <a14:foregroundMark x1="34831" y1="96703" x2="75281" y2="94505"/>
+                          <a14:foregroundMark x1="77528" y1="86813" x2="91011" y2="49451"/>
+                          <a14:foregroundMark x1="92135" y1="46154" x2="78652" y2="17582"/>
+                          <a14:foregroundMark x1="76404" y1="16484" x2="25843" y2="13187"/>
+                          <a14:foregroundMark x1="33708" y1="9890" x2="75281" y2="13187"/>
+                          <a14:foregroundMark x1="25843" y1="12088" x2="25843" y2="12088"/>
+                          <a14:foregroundMark x1="4494" y1="69231" x2="13483" y2="87912"/>
+                          <a14:foregroundMark x1="14607" y1="85714" x2="33708" y2="93407"/>
+                        </a14:backgroundRemoval>
+                      </a14:imgEffect>
+                    </a14:imgLayer>
+                  </a14:imgProps>
+                </a:ext>
+              </a:extLst>
+            </a:blip>
+            <a:stretch>
+              <a:fillRect/>
+            </a:stretch>
+          </p:blipFill>
+          <p:spPr>
+            <a:xfrm>
+              <a:off x="6678270" y="1455629"/>
+              <a:ext cx="339388" cy="347014"/>
+            </a:xfrm>
+            <a:prstGeom prst="rect">
+              <a:avLst/>
+            </a:prstGeom>
           </p:spPr>
         </p:pic>
       </p:grpSp>
@@ -9089,7 +9110,7 @@
             <p:nvPr/>
           </p:nvPicPr>
           <p:blipFill>
-            <a:blip r:embed="rId9">
+            <a:blip r:embed="rId10">
               <a:extLst>
                 <a:ext uri="{28A0092B-C50C-407E-A947-70E740481C1C}">
                   <a14:useLocalDpi xmlns:a14="http://schemas.microsoft.com/office/drawing/2010/main" val="0"/>
@@ -9392,7 +9413,7 @@
             <p:nvPr/>
           </p:nvPicPr>
           <p:blipFill>
-            <a:blip r:embed="rId10">
+            <a:blip r:embed="rId11">
               <a:extLst>
                 <a:ext uri="{28A0092B-C50C-407E-A947-70E740481C1C}">
                   <a14:useLocalDpi xmlns:a14="http://schemas.microsoft.com/office/drawing/2010/main" val="0"/>
@@ -9569,7 +9590,7 @@
           <p:nvPr>
             <p:extLst>
               <p:ext uri="{D42A27DB-BD31-4B8C-83A1-F6EECF244321}">
-                <p14:modId xmlns:p14="http://schemas.microsoft.com/office/powerpoint/2010/main" val="2466005837"/>
+                <p14:modId xmlns:p14="http://schemas.microsoft.com/office/powerpoint/2010/main" val="522145659"/>
               </p:ext>
             </p:extLst>
           </p:nvPr>
@@ -9580,7 +9601,7 @@
         </p:xfrm>
         <a:graphic>
           <a:graphicData uri="http://schemas.openxmlformats.org/drawingml/2006/chart">
-            <c:chart xmlns:c="http://schemas.openxmlformats.org/drawingml/2006/chart" xmlns:r="http://schemas.openxmlformats.org/officeDocument/2006/relationships" r:id="rId11"/>
+            <c:chart xmlns:c="http://schemas.openxmlformats.org/drawingml/2006/chart" xmlns:r="http://schemas.openxmlformats.org/officeDocument/2006/relationships" r:id="rId12"/>
           </a:graphicData>
         </a:graphic>
       </p:graphicFrame>
@@ -9600,7 +9621,7 @@
 <file path=ppt/theme/theme1.xml><?xml version="1.0" encoding="utf-8"?>
 <a:theme xmlns:a="http://schemas.openxmlformats.org/drawingml/2006/main" name="Facet">
   <a:themeElements>
-    <a:clrScheme name="Median">
+    <a:clrScheme name="Custom 1">
       <a:dk1>
         <a:sysClr val="windowText" lastClr="000000"/>
       </a:dk1>
@@ -9614,22 +9635,22 @@
         <a:srgbClr val="EBDDC3"/>
       </a:lt2>
       <a:accent1>
-        <a:srgbClr val="94B6D2"/>
+        <a:srgbClr val="E7E9EA"/>
       </a:accent1>
       <a:accent2>
-        <a:srgbClr val="DD8047"/>
+        <a:srgbClr val="B18B4F"/>
       </a:accent2>
       <a:accent3>
-        <a:srgbClr val="A5AB81"/>
+        <a:srgbClr val="8C949C"/>
       </a:accent3>
       <a:accent4>
-        <a:srgbClr val="D8B25C"/>
+        <a:srgbClr val="B18B4F"/>
       </a:accent4>
       <a:accent5>
-        <a:srgbClr val="7BA79D"/>
+        <a:srgbClr val="74757B"/>
       </a:accent5>
       <a:accent6>
-        <a:srgbClr val="968C8C"/>
+        <a:srgbClr val="484A50"/>
       </a:accent6>
       <a:hlink>
         <a:srgbClr val="F7B615"/>

--- a/Development/Final presentation/Poster.pptx
+++ b/Development/Final presentation/Poster.pptx
@@ -119,7 +119,7 @@
 <p1510:revInfo xmlns:a="http://schemas.openxmlformats.org/drawingml/2006/main" xmlns:r="http://schemas.openxmlformats.org/officeDocument/2006/relationships" xmlns:p1510="http://schemas.microsoft.com/office/powerpoint/2015/10/main">
   <p1510:revLst>
     <p1510:client id="{060F2E33-2488-4133-808D-75161F8BA843}" v="35" dt="2022-03-21T09:24:57.406"/>
-    <p1510:client id="{D2E41BC5-3F57-4090-8564-9C1B9C22A57A}" v="115" dt="2022-03-21T15:03:27.753"/>
+    <p1510:client id="{D2E41BC5-3F57-4090-8564-9C1B9C22A57A}" v="160" dt="2022-03-21T15:19:18.408"/>
   </p1510:revLst>
 </p1510:revInfo>
 </file>
@@ -241,12 +241,12 @@
   <pc:docChgLst>
     <pc:chgData name="leo boek" userId="34e4f10958d99e83" providerId="LiveId" clId="{D2E41BC5-3F57-4090-8564-9C1B9C22A57A}"/>
     <pc:docChg chg="custSel modSld">
-      <pc:chgData name="leo boek" userId="34e4f10958d99e83" providerId="LiveId" clId="{D2E41BC5-3F57-4090-8564-9C1B9C22A57A}" dt="2022-03-21T15:03:27.753" v="131" actId="208"/>
+      <pc:chgData name="leo boek" userId="34e4f10958d99e83" providerId="LiveId" clId="{D2E41BC5-3F57-4090-8564-9C1B9C22A57A}" dt="2022-03-21T15:19:18.408" v="176" actId="1036"/>
       <pc:docMkLst>
         <pc:docMk/>
       </pc:docMkLst>
       <pc:sldChg chg="addSp delSp modSp mod">
-        <pc:chgData name="leo boek" userId="34e4f10958d99e83" providerId="LiveId" clId="{D2E41BC5-3F57-4090-8564-9C1B9C22A57A}" dt="2022-03-21T15:03:27.753" v="131" actId="208"/>
+        <pc:chgData name="leo boek" userId="34e4f10958d99e83" providerId="LiveId" clId="{D2E41BC5-3F57-4090-8564-9C1B9C22A57A}" dt="2022-03-21T15:19:18.408" v="176" actId="1036"/>
         <pc:sldMkLst>
           <pc:docMk/>
           <pc:sldMk cId="2723055490" sldId="256"/>
@@ -259,8 +259,8 @@
             <ac:grpSpMk id="6" creationId="{F9618E2F-A728-4FE9-BFF0-F786F3601228}"/>
           </ac:grpSpMkLst>
         </pc:grpChg>
-        <pc:grpChg chg="add mod">
-          <ac:chgData name="leo boek" userId="34e4f10958d99e83" providerId="LiveId" clId="{D2E41BC5-3F57-4090-8564-9C1B9C22A57A}" dt="2022-03-21T15:01:08.872" v="126" actId="164"/>
+        <pc:grpChg chg="add del mod">
+          <ac:chgData name="leo boek" userId="34e4f10958d99e83" providerId="LiveId" clId="{D2E41BC5-3F57-4090-8564-9C1B9C22A57A}" dt="2022-03-21T15:09:45.102" v="132" actId="478"/>
           <ac:grpSpMkLst>
             <pc:docMk/>
             <pc:sldMk cId="2723055490" sldId="256"/>
@@ -275,6 +275,14 @@
             <ac:graphicFrameMk id="31" creationId="{ACFB5595-D53F-4188-8A82-A01083F255B7}"/>
           </ac:graphicFrameMkLst>
         </pc:graphicFrameChg>
+        <pc:picChg chg="add mod">
+          <ac:chgData name="leo boek" userId="34e4f10958d99e83" providerId="LiveId" clId="{D2E41BC5-3F57-4090-8564-9C1B9C22A57A}" dt="2022-03-21T15:19:18.408" v="176" actId="1036"/>
+          <ac:picMkLst>
+            <pc:docMk/>
+            <pc:sldMk cId="2723055490" sldId="256"/>
+            <ac:picMk id="2" creationId="{08354CFF-7CF6-494C-B72A-73D1F3D9EBA4}"/>
+          </ac:picMkLst>
+        </pc:picChg>
         <pc:picChg chg="add mod ord">
           <ac:chgData name="leo boek" userId="34e4f10958d99e83" providerId="LiveId" clId="{D2E41BC5-3F57-4090-8564-9C1B9C22A57A}" dt="2022-03-21T15:01:08.872" v="126" actId="164"/>
           <ac:picMkLst>
@@ -313,6 +321,14 @@
             <pc:docMk/>
             <pc:sldMk cId="2723055490" sldId="256"/>
             <ac:picMk id="27" creationId="{71E2166D-AF7E-4C26-9F1E-C51A52B90917}"/>
+          </ac:picMkLst>
+        </pc:picChg>
+        <pc:picChg chg="add del mod">
+          <ac:chgData name="leo boek" userId="34e4f10958d99e83" providerId="LiveId" clId="{D2E41BC5-3F57-4090-8564-9C1B9C22A57A}" dt="2022-03-21T15:19:10.678" v="156" actId="478"/>
+          <ac:picMkLst>
+            <pc:docMk/>
+            <pc:sldMk cId="2723055490" sldId="256"/>
+            <ac:picMk id="1026" creationId="{0A0F7A53-DBC2-4CA9-A5D4-CB98F0AC4794}"/>
           </ac:picMkLst>
         </pc:picChg>
         <pc:picChg chg="add del mod">
@@ -8757,137 +8773,6 @@
       </p:grpSp>
       <p:grpSp>
         <p:nvGrpSpPr>
-          <p:cNvPr id="28" name="Group 27">
-            <a:extLst>
-              <a:ext uri="{FF2B5EF4-FFF2-40B4-BE49-F238E27FC236}">
-                <a16:creationId xmlns:a16="http://schemas.microsoft.com/office/drawing/2014/main" id="{02F36DCF-506E-49FD-83E9-E143C2506BE6}"/>
-              </a:ext>
-            </a:extLst>
-          </p:cNvPr>
-          <p:cNvGrpSpPr/>
-          <p:nvPr/>
-        </p:nvGrpSpPr>
-        <p:grpSpPr>
-          <a:xfrm>
-            <a:off x="3671888" y="163290"/>
-            <a:ext cx="4848225" cy="6858000"/>
-            <a:chOff x="3671888" y="163290"/>
-            <a:chExt cx="4848225" cy="6858000"/>
-          </a:xfrm>
-        </p:grpSpPr>
-        <p:pic>
-          <p:nvPicPr>
-            <p:cNvPr id="27" name="Picture 6">
-              <a:extLst>
-                <a:ext uri="{FF2B5EF4-FFF2-40B4-BE49-F238E27FC236}">
-                  <a16:creationId xmlns:a16="http://schemas.microsoft.com/office/drawing/2014/main" id="{71E2166D-AF7E-4C26-9F1E-C51A52B90917}"/>
-                </a:ext>
-              </a:extLst>
-            </p:cNvPr>
-            <p:cNvPicPr>
-              <a:picLocks noChangeAspect="1" noChangeArrowheads="1"/>
-            </p:cNvPicPr>
-            <p:nvPr/>
-          </p:nvPicPr>
-          <p:blipFill>
-            <a:blip r:embed="rId7">
-              <a:extLst>
-                <a:ext uri="{28A0092B-C50C-407E-A947-70E740481C1C}">
-                  <a14:useLocalDpi xmlns:a14="http://schemas.microsoft.com/office/drawing/2010/main" val="0"/>
-                </a:ext>
-              </a:extLst>
-            </a:blip>
-            <a:srcRect/>
-            <a:stretch>
-              <a:fillRect/>
-            </a:stretch>
-          </p:blipFill>
-          <p:spPr bwMode="auto">
-            <a:xfrm>
-              <a:off x="3671888" y="163290"/>
-              <a:ext cx="4848225" cy="6858000"/>
-            </a:xfrm>
-            <a:prstGeom prst="rect">
-              <a:avLst/>
-            </a:prstGeom>
-            <a:noFill/>
-            <a:extLst>
-              <a:ext uri="{909E8E84-426E-40DD-AFC4-6F175D3DCCD1}">
-                <a14:hiddenFill xmlns:a14="http://schemas.microsoft.com/office/drawing/2010/main">
-                  <a:solidFill>
-                    <a:srgbClr val="FFFFFF"/>
-                  </a:solidFill>
-                </a14:hiddenFill>
-              </a:ext>
-            </a:extLst>
-          </p:spPr>
-        </p:pic>
-        <p:pic>
-          <p:nvPicPr>
-            <p:cNvPr id="3" name="Picture 2">
-              <a:extLst>
-                <a:ext uri="{FF2B5EF4-FFF2-40B4-BE49-F238E27FC236}">
-                  <a16:creationId xmlns:a16="http://schemas.microsoft.com/office/drawing/2014/main" id="{E46535EC-2DAF-478F-A8ED-C8DF51436C2C}"/>
-                </a:ext>
-              </a:extLst>
-            </p:cNvPr>
-            <p:cNvPicPr>
-              <a:picLocks noChangeAspect="1"/>
-            </p:cNvPicPr>
-            <p:nvPr/>
-          </p:nvPicPr>
-          <p:blipFill>
-            <a:blip r:embed="rId8">
-              <a:extLst>
-                <a:ext uri="{BEBA8EAE-BF5A-486C-A8C5-ECC9F3942E4B}">
-                  <a14:imgProps xmlns:a14="http://schemas.microsoft.com/office/drawing/2010/main">
-                    <a14:imgLayer r:embed="rId9">
-                      <a14:imgEffect>
-                        <a14:backgroundRemoval t="5495" b="94505" l="1124" r="92135">
-                          <a14:foregroundMark x1="49438" y1="91209" x2="49438" y2="91209"/>
-                          <a14:foregroundMark x1="10112" y1="52747" x2="10112" y2="52747"/>
-                          <a14:foregroundMark x1="55056" y1="41758" x2="55056" y2="41758"/>
-                          <a14:foregroundMark x1="42697" y1="41758" x2="59551" y2="49451"/>
-                          <a14:foregroundMark x1="75281" y1="17582" x2="75281" y2="17582"/>
-                          <a14:foregroundMark x1="75281" y1="17582" x2="15730" y2="78022"/>
-                          <a14:foregroundMark x1="15730" y1="81319" x2="80899" y2="24176"/>
-                          <a14:foregroundMark x1="22472" y1="13187" x2="22472" y2="13187"/>
-                          <a14:foregroundMark x1="22472" y1="16484" x2="13483" y2="21978"/>
-                          <a14:foregroundMark x1="15730" y1="26374" x2="6742" y2="46154"/>
-                          <a14:foregroundMark x1="12360" y1="23077" x2="1124" y2="53846"/>
-                          <a14:foregroundMark x1="2247" y1="60440" x2="28090" y2="94505"/>
-                          <a14:foregroundMark x1="34831" y1="96703" x2="75281" y2="94505"/>
-                          <a14:foregroundMark x1="77528" y1="86813" x2="91011" y2="49451"/>
-                          <a14:foregroundMark x1="92135" y1="46154" x2="78652" y2="17582"/>
-                          <a14:foregroundMark x1="76404" y1="16484" x2="25843" y2="13187"/>
-                          <a14:foregroundMark x1="33708" y1="9890" x2="75281" y2="13187"/>
-                          <a14:foregroundMark x1="25843" y1="12088" x2="25843" y2="12088"/>
-                          <a14:foregroundMark x1="4494" y1="69231" x2="13483" y2="87912"/>
-                          <a14:foregroundMark x1="14607" y1="85714" x2="33708" y2="93407"/>
-                        </a14:backgroundRemoval>
-                      </a14:imgEffect>
-                    </a14:imgLayer>
-                  </a14:imgProps>
-                </a:ext>
-              </a:extLst>
-            </a:blip>
-            <a:stretch>
-              <a:fillRect/>
-            </a:stretch>
-          </p:blipFill>
-          <p:spPr>
-            <a:xfrm>
-              <a:off x="6678270" y="1455629"/>
-              <a:ext cx="339388" cy="347014"/>
-            </a:xfrm>
-            <a:prstGeom prst="rect">
-              <a:avLst/>
-            </a:prstGeom>
-          </p:spPr>
-        </p:pic>
-      </p:grpSp>
-      <p:grpSp>
-        <p:nvGrpSpPr>
           <p:cNvPr id="16" name="Group 20">
             <a:extLst>
               <a:ext uri="{FF2B5EF4-FFF2-40B4-BE49-F238E27FC236}">
@@ -9110,7 +8995,7 @@
             <p:nvPr/>
           </p:nvPicPr>
           <p:blipFill>
-            <a:blip r:embed="rId10">
+            <a:blip r:embed="rId7">
               <a:extLst>
                 <a:ext uri="{28A0092B-C50C-407E-A947-70E740481C1C}">
                   <a14:useLocalDpi xmlns:a14="http://schemas.microsoft.com/office/drawing/2010/main" val="0"/>
@@ -9413,7 +9298,7 @@
             <p:nvPr/>
           </p:nvPicPr>
           <p:blipFill>
-            <a:blip r:embed="rId11">
+            <a:blip r:embed="rId8">
               <a:extLst>
                 <a:ext uri="{28A0092B-C50C-407E-A947-70E740481C1C}">
                   <a14:useLocalDpi xmlns:a14="http://schemas.microsoft.com/office/drawing/2010/main" val="0"/>
@@ -9601,10 +9486,57 @@
         </p:xfrm>
         <a:graphic>
           <a:graphicData uri="http://schemas.openxmlformats.org/drawingml/2006/chart">
-            <c:chart xmlns:c="http://schemas.openxmlformats.org/drawingml/2006/chart" xmlns:r="http://schemas.openxmlformats.org/officeDocument/2006/relationships" r:id="rId12"/>
+            <c:chart xmlns:c="http://schemas.openxmlformats.org/drawingml/2006/chart" xmlns:r="http://schemas.openxmlformats.org/officeDocument/2006/relationships" r:id="rId9"/>
           </a:graphicData>
         </a:graphic>
       </p:graphicFrame>
+      <p:pic>
+        <p:nvPicPr>
+          <p:cNvPr id="2" name="Picture 4">
+            <a:extLst>
+              <a:ext uri="{FF2B5EF4-FFF2-40B4-BE49-F238E27FC236}">
+                <a16:creationId xmlns:a16="http://schemas.microsoft.com/office/drawing/2014/main" id="{08354CFF-7CF6-494C-B72A-73D1F3D9EBA4}"/>
+              </a:ext>
+            </a:extLst>
+          </p:cNvPr>
+          <p:cNvPicPr>
+            <a:picLocks noChangeAspect="1" noChangeArrowheads="1"/>
+          </p:cNvPicPr>
+          <p:nvPr/>
+        </p:nvPicPr>
+        <p:blipFill>
+          <a:blip r:embed="rId10">
+            <a:extLst>
+              <a:ext uri="{28A0092B-C50C-407E-A947-70E740481C1C}">
+                <a14:useLocalDpi xmlns:a14="http://schemas.microsoft.com/office/drawing/2010/main" val="0"/>
+              </a:ext>
+            </a:extLst>
+          </a:blip>
+          <a:srcRect/>
+          <a:stretch>
+            <a:fillRect/>
+          </a:stretch>
+        </p:blipFill>
+        <p:spPr bwMode="auto">
+          <a:xfrm>
+            <a:off x="2793295" y="-746091"/>
+            <a:ext cx="6605412" cy="9343610"/>
+          </a:xfrm>
+          <a:prstGeom prst="rect">
+            <a:avLst/>
+          </a:prstGeom>
+          <a:noFill/>
+          <a:extLst>
+            <a:ext uri="{909E8E84-426E-40DD-AFC4-6F175D3DCCD1}">
+              <a14:hiddenFill xmlns:a14="http://schemas.microsoft.com/office/drawing/2010/main">
+                <a:solidFill>
+                  <a:srgbClr val="FFFFFF"/>
+                </a:solidFill>
+              </a14:hiddenFill>
+            </a:ext>
+          </a:extLst>
+        </p:spPr>
+      </p:pic>
     </p:spTree>
     <p:extLst>
       <p:ext uri="{BB962C8B-B14F-4D97-AF65-F5344CB8AC3E}">

--- a/Development/Final presentation/Poster.pptx
+++ b/Development/Final presentation/Poster.pptx
@@ -118,8 +118,7 @@
 <file path=ppt/revisionInfo.xml><?xml version="1.0" encoding="utf-8"?>
 <p1510:revInfo xmlns:a="http://schemas.openxmlformats.org/drawingml/2006/main" xmlns:r="http://schemas.openxmlformats.org/officeDocument/2006/relationships" xmlns:p1510="http://schemas.microsoft.com/office/powerpoint/2015/10/main">
   <p1510:revLst>
-    <p1510:client id="{060F2E33-2488-4133-808D-75161F8BA843}" v="35" dt="2022-03-21T09:24:57.406"/>
-    <p1510:client id="{D2E41BC5-3F57-4090-8564-9C1B9C22A57A}" v="160" dt="2022-03-21T15:19:18.408"/>
+    <p1510:client id="{16CD313E-3FA2-4FF5-BD71-500F231385D8}" v="19" dt="2022-03-23T12:53:26.212"/>
   </p1510:revLst>
 </p1510:revInfo>
 </file>
@@ -353,6 +352,46 @@
             <pc:docMk/>
             <pc:sldMk cId="2723055490" sldId="256"/>
             <ac:picMk id="1031" creationId="{3C4C7175-AFDE-4AD7-AC93-B5A41EA20E94}"/>
+          </ac:picMkLst>
+        </pc:picChg>
+      </pc:sldChg>
+    </pc:docChg>
+  </pc:docChgLst>
+  <pc:docChgLst>
+    <pc:chgData name="leo boek" userId="34e4f10958d99e83" providerId="LiveId" clId="{16CD313E-3FA2-4FF5-BD71-500F231385D8}"/>
+    <pc:docChg chg="undo custSel modSld">
+      <pc:chgData name="leo boek" userId="34e4f10958d99e83" providerId="LiveId" clId="{16CD313E-3FA2-4FF5-BD71-500F231385D8}" dt="2022-03-23T12:47:34.509" v="55" actId="1076"/>
+      <pc:docMkLst>
+        <pc:docMk/>
+      </pc:docMkLst>
+      <pc:sldChg chg="addSp modSp mod">
+        <pc:chgData name="leo boek" userId="34e4f10958d99e83" providerId="LiveId" clId="{16CD313E-3FA2-4FF5-BD71-500F231385D8}" dt="2022-03-23T12:47:34.509" v="55" actId="1076"/>
+        <pc:sldMkLst>
+          <pc:docMk/>
+          <pc:sldMk cId="2723055490" sldId="256"/>
+        </pc:sldMkLst>
+        <pc:spChg chg="mod">
+          <ac:chgData name="leo boek" userId="34e4f10958d99e83" providerId="LiveId" clId="{16CD313E-3FA2-4FF5-BD71-500F231385D8}" dt="2022-03-23T12:45:20.981" v="46" actId="403"/>
+          <ac:spMkLst>
+            <pc:docMk/>
+            <pc:sldMk cId="2723055490" sldId="256"/>
+            <ac:spMk id="23" creationId="{E8CDACDC-169A-42F1-AD9D-4480237CC96C}"/>
+          </ac:spMkLst>
+        </pc:spChg>
+        <pc:picChg chg="add mod">
+          <ac:chgData name="leo boek" userId="34e4f10958d99e83" providerId="LiveId" clId="{16CD313E-3FA2-4FF5-BD71-500F231385D8}" dt="2022-03-23T12:47:34.509" v="55" actId="1076"/>
+          <ac:picMkLst>
+            <pc:docMk/>
+            <pc:sldMk cId="2723055490" sldId="256"/>
+            <ac:picMk id="6" creationId="{A73DDE8D-2B25-4074-88CB-53668CD6DD75}"/>
+          </ac:picMkLst>
+        </pc:picChg>
+        <pc:picChg chg="mod">
+          <ac:chgData name="leo boek" userId="34e4f10958d99e83" providerId="LiveId" clId="{16CD313E-3FA2-4FF5-BD71-500F231385D8}" dt="2022-03-23T12:47:03.099" v="52" actId="12789"/>
+          <ac:picMkLst>
+            <pc:docMk/>
+            <pc:sldMk cId="2723055490" sldId="256"/>
+            <ac:picMk id="1028" creationId="{7B324C14-CE21-418B-8F86-4FAF190B4EA2}"/>
           </ac:picMkLst>
         </pc:picChg>
       </pc:sldChg>
@@ -1367,7 +1406,7 @@
           <a:p>
             <a:fld id="{ECBFD7BF-FEE6-4D2E-91AD-F44DF39EBBC8}" type="datetimeFigureOut">
               <a:rPr lang="en-GB" smtClean="0"/>
-              <a:t>21/03/2022</a:t>
+              <a:t>23/03/2022</a:t>
             </a:fld>
             <a:endParaRPr lang="en-GB"/>
           </a:p>
@@ -2561,7 +2600,7 @@
           <a:p>
             <a:fld id="{F57ABE91-85ED-4576-932A-8FF6A861718B}" type="datetimeFigureOut">
               <a:rPr lang="en-GB" smtClean="0"/>
-              <a:t>21/03/2022</a:t>
+              <a:t>23/03/2022</a:t>
             </a:fld>
             <a:endParaRPr lang="en-GB"/>
           </a:p>
@@ -2812,7 +2851,7 @@
           <a:p>
             <a:fld id="{F57ABE91-85ED-4576-932A-8FF6A861718B}" type="datetimeFigureOut">
               <a:rPr lang="en-GB" smtClean="0"/>
-              <a:t>21/03/2022</a:t>
+              <a:t>23/03/2022</a:t>
             </a:fld>
             <a:endParaRPr lang="en-GB"/>
           </a:p>
@@ -3126,7 +3165,7 @@
           <a:p>
             <a:fld id="{F57ABE91-85ED-4576-932A-8FF6A861718B}" type="datetimeFigureOut">
               <a:rPr lang="en-GB" smtClean="0"/>
-              <a:t>21/03/2022</a:t>
+              <a:t>23/03/2022</a:t>
             </a:fld>
             <a:endParaRPr lang="en-GB"/>
           </a:p>
@@ -3459,7 +3498,7 @@
           <a:p>
             <a:fld id="{F57ABE91-85ED-4576-932A-8FF6A861718B}" type="datetimeFigureOut">
               <a:rPr lang="en-GB" smtClean="0"/>
-              <a:t>21/03/2022</a:t>
+              <a:t>23/03/2022</a:t>
             </a:fld>
             <a:endParaRPr lang="en-GB"/>
           </a:p>
@@ -3773,7 +3812,7 @@
           <a:p>
             <a:fld id="{F57ABE91-85ED-4576-932A-8FF6A861718B}" type="datetimeFigureOut">
               <a:rPr lang="en-GB" smtClean="0"/>
-              <a:t>21/03/2022</a:t>
+              <a:t>23/03/2022</a:t>
             </a:fld>
             <a:endParaRPr lang="en-GB"/>
           </a:p>
@@ -4166,7 +4205,7 @@
           <a:p>
             <a:fld id="{F57ABE91-85ED-4576-932A-8FF6A861718B}" type="datetimeFigureOut">
               <a:rPr lang="en-GB" smtClean="0"/>
-              <a:t>21/03/2022</a:t>
+              <a:t>23/03/2022</a:t>
             </a:fld>
             <a:endParaRPr lang="en-GB"/>
           </a:p>
@@ -4336,7 +4375,7 @@
           <a:p>
             <a:fld id="{F57ABE91-85ED-4576-932A-8FF6A861718B}" type="datetimeFigureOut">
               <a:rPr lang="en-GB" smtClean="0"/>
-              <a:t>21/03/2022</a:t>
+              <a:t>23/03/2022</a:t>
             </a:fld>
             <a:endParaRPr lang="en-GB"/>
           </a:p>
@@ -4516,7 +4555,7 @@
           <a:p>
             <a:fld id="{F57ABE91-85ED-4576-932A-8FF6A861718B}" type="datetimeFigureOut">
               <a:rPr lang="en-GB" smtClean="0"/>
-              <a:t>21/03/2022</a:t>
+              <a:t>23/03/2022</a:t>
             </a:fld>
             <a:endParaRPr lang="en-GB"/>
           </a:p>
@@ -4686,7 +4725,7 @@
           <a:p>
             <a:fld id="{F57ABE91-85ED-4576-932A-8FF6A861718B}" type="datetimeFigureOut">
               <a:rPr lang="en-GB" smtClean="0"/>
-              <a:t>21/03/2022</a:t>
+              <a:t>23/03/2022</a:t>
             </a:fld>
             <a:endParaRPr lang="en-GB"/>
           </a:p>
@@ -4933,7 +4972,7 @@
           <a:p>
             <a:fld id="{F57ABE91-85ED-4576-932A-8FF6A861718B}" type="datetimeFigureOut">
               <a:rPr lang="en-GB" smtClean="0"/>
-              <a:t>21/03/2022</a:t>
+              <a:t>23/03/2022</a:t>
             </a:fld>
             <a:endParaRPr lang="en-GB"/>
           </a:p>
@@ -5165,7 +5204,7 @@
           <a:p>
             <a:fld id="{F57ABE91-85ED-4576-932A-8FF6A861718B}" type="datetimeFigureOut">
               <a:rPr lang="en-GB" smtClean="0"/>
-              <a:t>21/03/2022</a:t>
+              <a:t>23/03/2022</a:t>
             </a:fld>
             <a:endParaRPr lang="en-GB"/>
           </a:p>
@@ -5539,7 +5578,7 @@
           <a:p>
             <a:fld id="{F57ABE91-85ED-4576-932A-8FF6A861718B}" type="datetimeFigureOut">
               <a:rPr lang="en-GB" smtClean="0"/>
-              <a:t>21/03/2022</a:t>
+              <a:t>23/03/2022</a:t>
             </a:fld>
             <a:endParaRPr lang="en-GB"/>
           </a:p>
@@ -5662,7 +5701,7 @@
           <a:p>
             <a:fld id="{F57ABE91-85ED-4576-932A-8FF6A861718B}" type="datetimeFigureOut">
               <a:rPr lang="en-GB" smtClean="0"/>
-              <a:t>21/03/2022</a:t>
+              <a:t>23/03/2022</a:t>
             </a:fld>
             <a:endParaRPr lang="en-GB"/>
           </a:p>
@@ -5757,7 +5796,7 @@
           <a:p>
             <a:fld id="{F57ABE91-85ED-4576-932A-8FF6A861718B}" type="datetimeFigureOut">
               <a:rPr lang="en-GB" smtClean="0"/>
-              <a:t>21/03/2022</a:t>
+              <a:t>23/03/2022</a:t>
             </a:fld>
             <a:endParaRPr lang="en-GB"/>
           </a:p>
@@ -6012,7 +6051,7 @@
           <a:p>
             <a:fld id="{F57ABE91-85ED-4576-932A-8FF6A861718B}" type="datetimeFigureOut">
               <a:rPr lang="en-GB" smtClean="0"/>
-              <a:t>21/03/2022</a:t>
+              <a:t>23/03/2022</a:t>
             </a:fld>
             <a:endParaRPr lang="en-GB"/>
           </a:p>
@@ -6317,7 +6356,7 @@
           <a:p>
             <a:fld id="{F57ABE91-85ED-4576-932A-8FF6A861718B}" type="datetimeFigureOut">
               <a:rPr lang="en-GB" smtClean="0"/>
-              <a:t>21/03/2022</a:t>
+              <a:t>23/03/2022</a:t>
             </a:fld>
             <a:endParaRPr lang="en-GB"/>
           </a:p>
@@ -7019,7 +7058,7 @@
           <a:p>
             <a:fld id="{F57ABE91-85ED-4576-932A-8FF6A861718B}" type="datetimeFigureOut">
               <a:rPr lang="en-GB" smtClean="0"/>
-              <a:t>21/03/2022</a:t>
+              <a:t>23/03/2022</a:t>
             </a:fld>
             <a:endParaRPr lang="en-GB"/>
           </a:p>
@@ -9370,8 +9409,8 @@
         </p:nvSpPr>
         <p:spPr bwMode="auto">
           <a:xfrm>
-            <a:off x="206919" y="6180767"/>
-            <a:ext cx="2636837" cy="330200"/>
+            <a:off x="18262" y="6079165"/>
+            <a:ext cx="4790805" cy="637723"/>
           </a:xfrm>
           <a:prstGeom prst="rect">
             <a:avLst/>
@@ -9435,7 +9474,7 @@
               <a:tabLst/>
             </a:pPr>
             <a:r>
-              <a:rPr kumimoji="0" lang="en-GB" altLang="en-US" sz="1400" b="0" i="0" u="none" strike="noStrike" cap="none" normalizeH="0" baseline="0" dirty="0">
+              <a:rPr kumimoji="0" lang="en-GB" altLang="en-US" sz="1400" b="1" i="0" u="none" strike="noStrike" cap="none" normalizeH="0" baseline="0" dirty="0">
                 <a:ln>
                   <a:noFill/>
                 </a:ln>
@@ -9445,9 +9484,41 @@
                 <a:effectLst/>
                 <a:latin typeface="Calibri" panose="020F0502020204030204" pitchFamily="34" charset="0"/>
               </a:rPr>
-              <a:t>Find us at: http://exampleurl.com</a:t>
-            </a:r>
-            <a:endParaRPr kumimoji="0" lang="en-US" altLang="en-US" sz="1800" b="0" i="0" u="none" strike="noStrike" cap="none" normalizeH="0" baseline="0" dirty="0">
+              <a:t>Find us at:</a:t>
+            </a:r>
+          </a:p>
+          <a:p>
+            <a:pPr marL="0" marR="0" lvl="0" indent="0" algn="l" defTabSz="914400" rtl="0" eaLnBrk="0" fontAlgn="base" latinLnBrk="0" hangingPunct="0">
+              <a:lnSpc>
+                <a:spcPct val="100000"/>
+              </a:lnSpc>
+              <a:spcBef>
+                <a:spcPct val="0"/>
+              </a:spcBef>
+              <a:spcAft>
+                <a:spcPct val="0"/>
+              </a:spcAft>
+              <a:buClrTx/>
+              <a:buSzTx/>
+              <a:buFontTx/>
+              <a:buNone/>
+              <a:tabLst/>
+            </a:pPr>
+            <a:r>
+              <a:rPr kumimoji="0" lang="en-GB" altLang="en-US" sz="1100" b="0" i="0" u="none" strike="noStrike" cap="none" normalizeH="0" baseline="0" dirty="0">
+                <a:ln>
+                  <a:noFill/>
+                </a:ln>
+                <a:solidFill>
+                  <a:srgbClr val="000000"/>
+                </a:solidFill>
+                <a:effectLst/>
+                <a:latin typeface="Calibri" panose="020F0502020204030204" pitchFamily="34" charset="0"/>
+                <a:hlinkClick r:id="rId9"/>
+              </a:rPr>
+              <a:t>https://academic-adventure-1.nw.r.appspot.com/academic-adventure/login/</a:t>
+            </a:r>
+            <a:endParaRPr kumimoji="0" lang="en-US" altLang="en-US" sz="1400" b="0" i="0" u="none" strike="noStrike" cap="none" normalizeH="0" baseline="0" dirty="0">
               <a:ln>
                 <a:noFill/>
               </a:ln>
@@ -9486,7 +9557,7 @@
         </p:xfrm>
         <a:graphic>
           <a:graphicData uri="http://schemas.openxmlformats.org/drawingml/2006/chart">
-            <c:chart xmlns:c="http://schemas.openxmlformats.org/drawingml/2006/chart" xmlns:r="http://schemas.openxmlformats.org/officeDocument/2006/relationships" r:id="rId9"/>
+            <c:chart xmlns:c="http://schemas.openxmlformats.org/drawingml/2006/chart" xmlns:r="http://schemas.openxmlformats.org/officeDocument/2006/relationships" r:id="rId10"/>
           </a:graphicData>
         </a:graphic>
       </p:graphicFrame>
@@ -9505,7 +9576,7 @@
           <p:nvPr/>
         </p:nvPicPr>
         <p:blipFill>
-          <a:blip r:embed="rId10">
+          <a:blip r:embed="rId11">
             <a:extLst>
               <a:ext uri="{28A0092B-C50C-407E-A947-70E740481C1C}">
                 <a14:useLocalDpi xmlns:a14="http://schemas.microsoft.com/office/drawing/2010/main" val="0"/>
@@ -9535,6 +9606,36 @@
               </a14:hiddenFill>
             </a:ext>
           </a:extLst>
+        </p:spPr>
+      </p:pic>
+      <p:pic>
+        <p:nvPicPr>
+          <p:cNvPr id="6" name="Picture 5">
+            <a:extLst>
+              <a:ext uri="{FF2B5EF4-FFF2-40B4-BE49-F238E27FC236}">
+                <a16:creationId xmlns:a16="http://schemas.microsoft.com/office/drawing/2014/main" id="{A73DDE8D-2B25-4074-88CB-53668CD6DD75}"/>
+              </a:ext>
+            </a:extLst>
+          </p:cNvPr>
+          <p:cNvPicPr>
+            <a:picLocks noChangeAspect="1"/>
+          </p:cNvPicPr>
+          <p:nvPr/>
+        </p:nvPicPr>
+        <p:blipFill>
+          <a:blip r:embed="rId12"/>
+          <a:stretch>
+            <a:fillRect/>
+          </a:stretch>
+        </p:blipFill>
+        <p:spPr>
+          <a:xfrm>
+            <a:off x="3027495" y="4980793"/>
+            <a:ext cx="1073528" cy="1073528"/>
+          </a:xfrm>
+          <a:prstGeom prst="rect">
+            <a:avLst/>
+          </a:prstGeom>
         </p:spPr>
       </p:pic>
     </p:spTree>
